--- a/.slides/topics/06_data_subsetting.pptx
+++ b/.slides/topics/06_data_subsetting.pptx
@@ -18,6 +18,7 @@
     <p:sldId id="266" r:id="rId12"/>
     <p:sldId id="267" r:id="rId13"/>
     <p:sldId id="268" r:id="rId14"/>
+    <p:sldId id="271" r:id="rId15"/>
   </p:sldIdLst>
   <p:sldSz cx="12192000" cy="6858000"/>
   <p:notesSz cx="6858000" cy="9144000"/>
@@ -3483,6 +3484,53 @@
           </a:p>
         </p:txBody>
       </p:sp>
+      <p:pic>
+        <p:nvPicPr>
+          <p:cNvPr id="1026" name="Picture 2">
+            <a:extLst>
+              <a:ext uri="{FF2B5EF4-FFF2-40B4-BE49-F238E27FC236}">
+                <a16:creationId xmlns:a16="http://schemas.microsoft.com/office/drawing/2014/main" id="{B06E8870-6E0C-0A4E-5FE4-0E6C32837546}"/>
+              </a:ext>
+            </a:extLst>
+          </p:cNvPr>
+          <p:cNvPicPr>
+            <a:picLocks noChangeAspect="1" noChangeArrowheads="1"/>
+          </p:cNvPicPr>
+          <p:nvPr/>
+        </p:nvPicPr>
+        <p:blipFill>
+          <a:blip r:embed="rId3">
+            <a:extLst>
+              <a:ext uri="{28A0092B-C50C-407E-A947-70E740481C1C}">
+                <a14:useLocalDpi xmlns:a14="http://schemas.microsoft.com/office/drawing/2010/main" val="0"/>
+              </a:ext>
+            </a:extLst>
+          </a:blip>
+          <a:srcRect/>
+          <a:stretch>
+            <a:fillRect/>
+          </a:stretch>
+        </p:blipFill>
+        <p:spPr bwMode="auto">
+          <a:xfrm>
+            <a:off x="8511541" y="625584"/>
+            <a:ext cx="3240000" cy="2168308"/>
+          </a:xfrm>
+          <a:prstGeom prst="rect">
+            <a:avLst/>
+          </a:prstGeom>
+          <a:noFill/>
+          <a:extLst>
+            <a:ext uri="{909E8E84-426E-40DD-AFC4-6F175D3DCCD1}">
+              <a14:hiddenFill xmlns:a14="http://schemas.microsoft.com/office/drawing/2010/main">
+                <a:solidFill>
+                  <a:srgbClr val="FFFFFF"/>
+                </a:solidFill>
+              </a14:hiddenFill>
+            </a:ext>
+          </a:extLst>
+        </p:spPr>
+      </p:pic>
     </p:spTree>
   </p:cSld>
   <p:clrMapOvr>
@@ -3786,6 +3834,36 @@
           </a:p>
         </p:txBody>
       </p:sp>
+      <p:pic>
+        <p:nvPicPr>
+          <p:cNvPr id="5" name="Picture 4">
+            <a:extLst>
+              <a:ext uri="{FF2B5EF4-FFF2-40B4-BE49-F238E27FC236}">
+                <a16:creationId xmlns:a16="http://schemas.microsoft.com/office/drawing/2014/main" id="{8AC0C8DE-E50B-699F-62F6-BC7263A06BF7}"/>
+              </a:ext>
+            </a:extLst>
+          </p:cNvPr>
+          <p:cNvPicPr>
+            <a:picLocks noChangeAspect="1"/>
+          </p:cNvPicPr>
+          <p:nvPr/>
+        </p:nvPicPr>
+        <p:blipFill>
+          <a:blip r:embed="rId2"/>
+          <a:stretch>
+            <a:fillRect/>
+          </a:stretch>
+        </p:blipFill>
+        <p:spPr>
+          <a:xfrm>
+            <a:off x="2022448" y="4194345"/>
+            <a:ext cx="7861062" cy="2117555"/>
+          </a:xfrm>
+          <a:prstGeom prst="rect">
+            <a:avLst/>
+          </a:prstGeom>
+        </p:spPr>
+      </p:pic>
     </p:spTree>
   </p:cSld>
   <p:clrMapOvr>
@@ -3895,6 +3973,97 @@
 </p:sld>
 </file>
 
+<file path=ppt/slides/slide14.xml><?xml version="1.0" encoding="utf-8"?>
+<p:sld xmlns:a="http://schemas.openxmlformats.org/drawingml/2006/main" xmlns:r="http://schemas.openxmlformats.org/officeDocument/2006/relationships" xmlns:p="http://schemas.openxmlformats.org/presentationml/2006/main">
+  <p:cSld>
+    <p:spTree>
+      <p:nvGrpSpPr>
+        <p:cNvPr id="1" name=""/>
+        <p:cNvGrpSpPr/>
+        <p:nvPr/>
+      </p:nvGrpSpPr>
+      <p:grpSpPr>
+        <a:xfrm>
+          <a:off x="0" y="0"/>
+          <a:ext cx="0" cy="0"/>
+          <a:chOff x="0" y="0"/>
+          <a:chExt cx="0" cy="0"/>
+        </a:xfrm>
+      </p:grpSpPr>
+      <p:sp>
+        <p:nvSpPr>
+          <p:cNvPr id="2" name="Title 1">
+            <a:extLst>
+              <a:ext uri="{FF2B5EF4-FFF2-40B4-BE49-F238E27FC236}">
+                <a16:creationId xmlns:a16="http://schemas.microsoft.com/office/drawing/2014/main" id="{8525C2D7-E417-70EE-D336-6C2729628304}"/>
+              </a:ext>
+            </a:extLst>
+          </p:cNvPr>
+          <p:cNvSpPr>
+            <a:spLocks noGrp="1"/>
+          </p:cNvSpPr>
+          <p:nvPr>
+            <p:ph type="title"/>
+          </p:nvPr>
+        </p:nvSpPr>
+        <p:spPr/>
+        <p:txBody>
+          <a:bodyPr/>
+          <a:lstStyle/>
+          <a:p>
+            <a:pPr marL="0" lvl="0" indent="0">
+              <a:buNone/>
+            </a:pPr>
+            <a:r>
+              <a:t>Practice Exercises</a:t>
+            </a:r>
+          </a:p>
+        </p:txBody>
+      </p:sp>
+      <p:pic>
+        <p:nvPicPr>
+          <p:cNvPr id="6" name="Picture 5" descr="A cat sitting on a computer&#10;&#10;AI-generated content may be incorrect.">
+            <a:extLst>
+              <a:ext uri="{FF2B5EF4-FFF2-40B4-BE49-F238E27FC236}">
+                <a16:creationId xmlns:a16="http://schemas.microsoft.com/office/drawing/2014/main" id="{D2E0F507-A649-BEC3-934D-D62F9A7982A2}"/>
+              </a:ext>
+            </a:extLst>
+          </p:cNvPr>
+          <p:cNvPicPr>
+            <a:picLocks noChangeAspect="1"/>
+          </p:cNvPicPr>
+          <p:nvPr/>
+        </p:nvPicPr>
+        <p:blipFill>
+          <a:blip r:embed="rId2">
+            <a:extLst>
+              <a:ext uri="{28A0092B-C50C-407E-A947-70E740481C1C}">
+                <a14:useLocalDpi xmlns:a14="http://schemas.microsoft.com/office/drawing/2010/main" val="0"/>
+              </a:ext>
+            </a:extLst>
+          </a:blip>
+          <a:stretch>
+            <a:fillRect/>
+          </a:stretch>
+        </p:blipFill>
+        <p:spPr>
+          <a:xfrm>
+            <a:off x="2154453" y="1417320"/>
+            <a:ext cx="7883093" cy="5255395"/>
+          </a:xfrm>
+          <a:prstGeom prst="rect">
+            <a:avLst/>
+          </a:prstGeom>
+        </p:spPr>
+      </p:pic>
+    </p:spTree>
+  </p:cSld>
+  <p:clrMapOvr>
+    <a:masterClrMapping/>
+  </p:clrMapOvr>
+</p:sld>
+</file>
+
 <file path=ppt/slides/slide2.xml><?xml version="1.0" encoding="utf-8"?>
 <p:sld xmlns:a="http://schemas.openxmlformats.org/drawingml/2006/main" xmlns:r="http://schemas.openxmlformats.org/officeDocument/2006/relationships" xmlns:p="http://schemas.openxmlformats.org/presentationml/2006/main">
   <p:cSld>
@@ -4089,6 +4258,53 @@
           </a:p>
         </p:txBody>
       </p:sp>
+      <p:pic>
+        <p:nvPicPr>
+          <p:cNvPr id="2050" name="Picture 2">
+            <a:extLst>
+              <a:ext uri="{FF2B5EF4-FFF2-40B4-BE49-F238E27FC236}">
+                <a16:creationId xmlns:a16="http://schemas.microsoft.com/office/drawing/2014/main" id="{37FC6AF7-2C35-772E-3AFE-78B366CDAF29}"/>
+              </a:ext>
+            </a:extLst>
+          </p:cNvPr>
+          <p:cNvPicPr>
+            <a:picLocks noChangeAspect="1" noChangeArrowheads="1"/>
+          </p:cNvPicPr>
+          <p:nvPr/>
+        </p:nvPicPr>
+        <p:blipFill>
+          <a:blip r:embed="rId2">
+            <a:extLst>
+              <a:ext uri="{28A0092B-C50C-407E-A947-70E740481C1C}">
+                <a14:useLocalDpi xmlns:a14="http://schemas.microsoft.com/office/drawing/2010/main" val="0"/>
+              </a:ext>
+            </a:extLst>
+          </a:blip>
+          <a:srcRect/>
+          <a:stretch>
+            <a:fillRect/>
+          </a:stretch>
+        </p:blipFill>
+        <p:spPr bwMode="auto">
+          <a:xfrm>
+            <a:off x="9421124" y="271193"/>
+            <a:ext cx="2476500" cy="1657350"/>
+          </a:xfrm>
+          <a:prstGeom prst="rect">
+            <a:avLst/>
+          </a:prstGeom>
+          <a:noFill/>
+          <a:extLst>
+            <a:ext uri="{909E8E84-426E-40DD-AFC4-6F175D3DCCD1}">
+              <a14:hiddenFill xmlns:a14="http://schemas.microsoft.com/office/drawing/2010/main">
+                <a:solidFill>
+                  <a:srgbClr val="FFFFFF"/>
+                </a:solidFill>
+              </a14:hiddenFill>
+            </a:ext>
+          </a:extLst>
+        </p:spPr>
+      </p:pic>
     </p:spTree>
   </p:cSld>
   <p:clrMapOvr>
@@ -4392,6 +4608,36 @@
           </a:p>
         </p:txBody>
       </p:sp>
+      <p:pic>
+        <p:nvPicPr>
+          <p:cNvPr id="5" name="Picture 4">
+            <a:extLst>
+              <a:ext uri="{FF2B5EF4-FFF2-40B4-BE49-F238E27FC236}">
+                <a16:creationId xmlns:a16="http://schemas.microsoft.com/office/drawing/2014/main" id="{6CDFF79B-C9BF-7EE4-45B0-8F7D2A7BC01C}"/>
+              </a:ext>
+            </a:extLst>
+          </p:cNvPr>
+          <p:cNvPicPr>
+            <a:picLocks noChangeAspect="1"/>
+          </p:cNvPicPr>
+          <p:nvPr/>
+        </p:nvPicPr>
+        <p:blipFill>
+          <a:blip r:embed="rId2"/>
+          <a:stretch>
+            <a:fillRect/>
+          </a:stretch>
+        </p:blipFill>
+        <p:spPr>
+          <a:xfrm>
+            <a:off x="3205828" y="3976060"/>
+            <a:ext cx="5668665" cy="2775979"/>
+          </a:xfrm>
+          <a:prstGeom prst="rect">
+            <a:avLst/>
+          </a:prstGeom>
+        </p:spPr>
+      </p:pic>
     </p:spTree>
   </p:cSld>
   <p:clrMapOvr>
@@ -4493,6 +4739,53 @@
           </a:p>
         </p:txBody>
       </p:sp>
+      <p:pic>
+        <p:nvPicPr>
+          <p:cNvPr id="3074" name="Picture 2">
+            <a:extLst>
+              <a:ext uri="{FF2B5EF4-FFF2-40B4-BE49-F238E27FC236}">
+                <a16:creationId xmlns:a16="http://schemas.microsoft.com/office/drawing/2014/main" id="{DFEFB49D-7917-3135-85E0-8AD8F9A55BF2}"/>
+              </a:ext>
+            </a:extLst>
+          </p:cNvPr>
+          <p:cNvPicPr>
+            <a:picLocks noChangeAspect="1" noChangeArrowheads="1"/>
+          </p:cNvPicPr>
+          <p:nvPr/>
+        </p:nvPicPr>
+        <p:blipFill>
+          <a:blip r:embed="rId2">
+            <a:extLst>
+              <a:ext uri="{28A0092B-C50C-407E-A947-70E740481C1C}">
+                <a14:useLocalDpi xmlns:a14="http://schemas.microsoft.com/office/drawing/2010/main" val="0"/>
+              </a:ext>
+            </a:extLst>
+          </a:blip>
+          <a:srcRect/>
+          <a:stretch>
+            <a:fillRect/>
+          </a:stretch>
+        </p:blipFill>
+        <p:spPr bwMode="auto">
+          <a:xfrm>
+            <a:off x="3187316" y="3898582"/>
+            <a:ext cx="5581299" cy="2825216"/>
+          </a:xfrm>
+          <a:prstGeom prst="rect">
+            <a:avLst/>
+          </a:prstGeom>
+          <a:noFill/>
+          <a:extLst>
+            <a:ext uri="{909E8E84-426E-40DD-AFC4-6F175D3DCCD1}">
+              <a14:hiddenFill xmlns:a14="http://schemas.microsoft.com/office/drawing/2010/main">
+                <a:solidFill>
+                  <a:srgbClr val="FFFFFF"/>
+                </a:solidFill>
+              </a14:hiddenFill>
+            </a:ext>
+          </a:extLst>
+        </p:spPr>
+      </p:pic>
     </p:spTree>
   </p:cSld>
   <p:clrMapOvr>
@@ -4594,6 +4887,36 @@
           </a:p>
         </p:txBody>
       </p:sp>
+      <p:pic>
+        <p:nvPicPr>
+          <p:cNvPr id="5" name="Picture 4">
+            <a:extLst>
+              <a:ext uri="{FF2B5EF4-FFF2-40B4-BE49-F238E27FC236}">
+                <a16:creationId xmlns:a16="http://schemas.microsoft.com/office/drawing/2014/main" id="{0EC20A4E-E281-7228-7783-201A7EE99178}"/>
+              </a:ext>
+            </a:extLst>
+          </p:cNvPr>
+          <p:cNvPicPr>
+            <a:picLocks noChangeAspect="1"/>
+          </p:cNvPicPr>
+          <p:nvPr/>
+        </p:nvPicPr>
+        <p:blipFill>
+          <a:blip r:embed="rId2"/>
+          <a:stretch>
+            <a:fillRect/>
+          </a:stretch>
+        </p:blipFill>
+        <p:spPr>
+          <a:xfrm>
+            <a:off x="2807536" y="4001294"/>
+            <a:ext cx="6211167" cy="2695951"/>
+          </a:xfrm>
+          <a:prstGeom prst="rect">
+            <a:avLst/>
+          </a:prstGeom>
+        </p:spPr>
+      </p:pic>
     </p:spTree>
   </p:cSld>
   <p:clrMapOvr>
